--- a/ProjetoBS - Parte 2 - Instalando extensão do GitHub para Windows.pptx
+++ b/ProjetoBS - Parte 2 - Instalando extensão do GitHub para Windows.pptx
@@ -9,10 +9,10 @@
     <p:sldMasterId id="2147483680" r:id="rId5"/>
   </p:sldMasterIdLst>
   <p:notesMasterIdLst>
-    <p:notesMasterId r:id="rId18"/>
+    <p:notesMasterId r:id="rId17"/>
   </p:notesMasterIdLst>
   <p:handoutMasterIdLst>
-    <p:handoutMasterId r:id="rId19"/>
+    <p:handoutMasterId r:id="rId18"/>
   </p:handoutMasterIdLst>
   <p:sldIdLst>
     <p:sldId id="256" r:id="rId6"/>
@@ -23,10 +23,9 @@
     <p:sldId id="261" r:id="rId11"/>
     <p:sldId id="262" r:id="rId12"/>
     <p:sldId id="263" r:id="rId13"/>
-    <p:sldId id="264" r:id="rId14"/>
-    <p:sldId id="265" r:id="rId15"/>
-    <p:sldId id="266" r:id="rId16"/>
-    <p:sldId id="267" r:id="rId17"/>
+    <p:sldId id="265" r:id="rId14"/>
+    <p:sldId id="266" r:id="rId15"/>
+    <p:sldId id="267" r:id="rId16"/>
   </p:sldIdLst>
   <p:sldSz cx="12192000" cy="6858000"/>
   <p:notesSz cx="6858000" cy="9144000"/>
@@ -226,7 +225,7 @@
           <a:p>
             <a:fld id="{04173D99-D067-41B2-AE6C-277A67A29C02}" type="datetimeFigureOut">
               <a:rPr lang="pt-BR" smtClean="0"/>
-              <a:t>10/10/2023</a:t>
+              <a:t>11/10/2023</a:t>
             </a:fld>
             <a:endParaRPr lang="pt-BR"/>
           </a:p>
@@ -392,7 +391,7 @@
           <a:p>
             <a:fld id="{9E9AB6CA-B409-437D-9273-FF0DF7C26A26}" type="datetimeFigureOut">
               <a:rPr lang="pt-BR" smtClean="0"/>
-              <a:t>10/10/2023</a:t>
+              <a:t>11/10/2023</a:t>
             </a:fld>
             <a:endParaRPr lang="pt-BR"/>
           </a:p>
@@ -12857,7 +12856,7 @@
         </p:blipFill>
         <p:spPr>
           <a:xfrm>
-            <a:off x="464262" y="1665288"/>
+            <a:off x="442913" y="1665288"/>
             <a:ext cx="4752975" cy="3733800"/>
           </a:xfrm>
           <a:prstGeom prst="rect">
@@ -12865,34 +12864,124 @@
           </a:prstGeom>
         </p:spPr>
       </p:pic>
-      <p:pic>
-        <p:nvPicPr>
-          <p:cNvPr id="3" name="Imagem 2"/>
-          <p:cNvPicPr>
-            <a:picLocks noChangeAspect="1"/>
-          </p:cNvPicPr>
+      <p:cxnSp>
+        <p:nvCxnSpPr>
+          <p:cNvPr id="4" name="Conector de Seta Reta 3"/>
+          <p:cNvCxnSpPr/>
           <p:nvPr/>
-        </p:nvPicPr>
-        <p:blipFill>
-          <a:blip r:embed="rId3"/>
-          <a:stretch>
-            <a:fillRect/>
-          </a:stretch>
-        </p:blipFill>
-        <p:spPr>
+        </p:nvCxnSpPr>
+        <p:spPr bwMode="auto">
+          <a:xfrm flipH="1">
+            <a:off x="4225159" y="4067503"/>
+            <a:ext cx="2186151" cy="966952"/>
+          </a:xfrm>
+          <a:prstGeom prst="straightConnector1">
+            <a:avLst/>
+          </a:prstGeom>
+          <a:solidFill>
+            <a:schemeClr val="accent1"/>
+          </a:solidFill>
+          <a:ln w="38100" cap="flat" cmpd="sng" algn="ctr">
+            <a:solidFill>
+              <a:schemeClr val="accent2">
+                <a:lumMod val="75000"/>
+              </a:schemeClr>
+            </a:solidFill>
+            <a:prstDash val="solid"/>
+            <a:round/>
+            <a:headEnd type="none" w="med" len="med"/>
+            <a:tailEnd type="triangle"/>
+          </a:ln>
+          <a:effectLst/>
+        </p:spPr>
+      </p:cxnSp>
+      <p:sp>
+        <p:nvSpPr>
+          <p:cNvPr id="5" name="Retângulo 4"/>
+          <p:cNvSpPr/>
+          <p:nvPr/>
+        </p:nvSpPr>
+        <p:spPr bwMode="auto">
           <a:xfrm>
-            <a:off x="3094147" y="2607879"/>
-            <a:ext cx="4752975" cy="3733800"/>
+            <a:off x="5991726" y="3356811"/>
+            <a:ext cx="2081463" cy="1443789"/>
           </a:xfrm>
           <a:prstGeom prst="rect">
             <a:avLst/>
           </a:prstGeom>
+          <a:ln w="38100">
+            <a:solidFill>
+              <a:schemeClr val="accent2">
+                <a:lumMod val="75000"/>
+              </a:schemeClr>
+            </a:solidFill>
+            <a:headEnd type="none" w="med" len="med"/>
+            <a:tailEnd type="triangle" w="med" len="med"/>
+          </a:ln>
         </p:spPr>
-      </p:pic>
+        <p:style>
+          <a:lnRef idx="1">
+            <a:schemeClr val="accent2"/>
+          </a:lnRef>
+          <a:fillRef idx="2">
+            <a:schemeClr val="accent2"/>
+          </a:fillRef>
+          <a:effectRef idx="1">
+            <a:schemeClr val="accent2"/>
+          </a:effectRef>
+          <a:fontRef idx="minor">
+            <a:schemeClr val="dk1"/>
+          </a:fontRef>
+        </p:style>
+        <p:txBody>
+          <a:bodyPr vert="horz" wrap="square" lIns="90000" tIns="46800" rIns="90000" bIns="46800" numCol="1" rtlCol="0" anchor="ctr" anchorCtr="0" compatLnSpc="1">
+            <a:prstTxWarp prst="textNoShape">
+              <a:avLst/>
+            </a:prstTxWarp>
+          </a:bodyPr>
+          <a:lstStyle/>
+          <a:p>
+            <a:pPr algn="ctr"/>
+            <a:r>
+              <a:rPr lang="pt-BR" dirty="0" smtClean="0">
+                <a:solidFill>
+                  <a:schemeClr val="tx1"/>
+                </a:solidFill>
+                <a:latin typeface="Arial" charset="0"/>
+              </a:rPr>
+              <a:t>Clique para Finalizar (</a:t>
+            </a:r>
+            <a:r>
+              <a:rPr lang="pt-BR" dirty="0" err="1" smtClean="0">
+                <a:solidFill>
+                  <a:schemeClr val="tx1"/>
+                </a:solidFill>
+                <a:latin typeface="Arial" charset="0"/>
+              </a:rPr>
+              <a:t>finish</a:t>
+            </a:r>
+            <a:r>
+              <a:rPr lang="pt-BR" dirty="0" smtClean="0">
+                <a:solidFill>
+                  <a:schemeClr val="tx1"/>
+                </a:solidFill>
+                <a:latin typeface="Arial" charset="0"/>
+              </a:rPr>
+              <a:t>)</a:t>
+            </a:r>
+            <a:endParaRPr lang="pt-BR" dirty="0">
+              <a:solidFill>
+                <a:schemeClr val="tx1"/>
+              </a:solidFill>
+              <a:latin typeface="Arial" charset="0"/>
+            </a:endParaRPr>
+          </a:p>
+        </p:txBody>
+      </p:sp>
     </p:spTree>
     <p:extLst>
       <p:ext uri="{BB962C8B-B14F-4D97-AF65-F5344CB8AC3E}">
-        <p14:creationId xmlns:p14="http://schemas.microsoft.com/office/powerpoint/2010/main" val="4290270954"/>
+        <p14:creationId xmlns:p14="http://schemas.microsoft.com/office/powerpoint/2010/main" val="3932988586"/>
       </p:ext>
     </p:extLst>
   </p:cSld>
@@ -12959,114 +13048,6 @@
         <p:spPr>
           <a:xfrm>
             <a:off x="442913" y="1665288"/>
-            <a:ext cx="4752975" cy="3733800"/>
-          </a:xfrm>
-          <a:prstGeom prst="rect">
-            <a:avLst/>
-          </a:prstGeom>
-        </p:spPr>
-      </p:pic>
-      <p:cxnSp>
-        <p:nvCxnSpPr>
-          <p:cNvPr id="4" name="Conector de Seta Reta 3"/>
-          <p:cNvCxnSpPr/>
-          <p:nvPr/>
-        </p:nvCxnSpPr>
-        <p:spPr bwMode="auto">
-          <a:xfrm flipH="1">
-            <a:off x="4225159" y="4067503"/>
-            <a:ext cx="2186151" cy="966952"/>
-          </a:xfrm>
-          <a:prstGeom prst="straightConnector1">
-            <a:avLst/>
-          </a:prstGeom>
-          <a:solidFill>
-            <a:schemeClr val="accent1"/>
-          </a:solidFill>
-          <a:ln w="38100" cap="flat" cmpd="sng" algn="ctr">
-            <a:solidFill>
-              <a:schemeClr val="accent2">
-                <a:lumMod val="75000"/>
-              </a:schemeClr>
-            </a:solidFill>
-            <a:prstDash val="solid"/>
-            <a:round/>
-            <a:headEnd type="none" w="med" len="med"/>
-            <a:tailEnd type="triangle"/>
-          </a:ln>
-          <a:effectLst/>
-        </p:spPr>
-      </p:cxnSp>
-    </p:spTree>
-    <p:extLst>
-      <p:ext uri="{BB962C8B-B14F-4D97-AF65-F5344CB8AC3E}">
-        <p14:creationId xmlns:p14="http://schemas.microsoft.com/office/powerpoint/2010/main" val="3932988586"/>
-      </p:ext>
-    </p:extLst>
-  </p:cSld>
-  <p:clrMapOvr>
-    <a:masterClrMapping/>
-  </p:clrMapOvr>
-</p:sld>
-</file>
-
-<file path=ppt/slides/slide12.xml><?xml version="1.0" encoding="utf-8"?>
-<p:sld xmlns:a="http://schemas.openxmlformats.org/drawingml/2006/main" xmlns:r="http://schemas.openxmlformats.org/officeDocument/2006/relationships" xmlns:p="http://schemas.openxmlformats.org/presentationml/2006/main">
-  <p:cSld>
-    <p:spTree>
-      <p:nvGrpSpPr>
-        <p:cNvPr id="1" name=""/>
-        <p:cNvGrpSpPr/>
-        <p:nvPr/>
-      </p:nvGrpSpPr>
-      <p:grpSpPr>
-        <a:xfrm>
-          <a:off x="0" y="0"/>
-          <a:ext cx="0" cy="0"/>
-          <a:chOff x="0" y="0"/>
-          <a:chExt cx="0" cy="0"/>
-        </a:xfrm>
-      </p:grpSpPr>
-      <p:sp>
-        <p:nvSpPr>
-          <p:cNvPr id="22" name="Título 21"/>
-          <p:cNvSpPr>
-            <a:spLocks noGrp="1"/>
-          </p:cNvSpPr>
-          <p:nvPr>
-            <p:ph type="title"/>
-          </p:nvPr>
-        </p:nvSpPr>
-        <p:spPr/>
-        <p:txBody>
-          <a:bodyPr/>
-          <a:lstStyle/>
-          <a:p>
-            <a:r>
-              <a:rPr lang="pt-BR" dirty="0" smtClean="0"/>
-              <a:t>Instalando extensão do GitHub para Windows</a:t>
-            </a:r>
-            <a:endParaRPr lang="pt-BR" dirty="0"/>
-          </a:p>
-        </p:txBody>
-      </p:sp>
-      <p:pic>
-        <p:nvPicPr>
-          <p:cNvPr id="2" name="Imagem 1"/>
-          <p:cNvPicPr>
-            <a:picLocks noChangeAspect="1"/>
-          </p:cNvPicPr>
-          <p:nvPr/>
-        </p:nvPicPr>
-        <p:blipFill>
-          <a:blip r:embed="rId2"/>
-          <a:stretch>
-            <a:fillRect/>
-          </a:stretch>
-        </p:blipFill>
-        <p:spPr>
-          <a:xfrm>
-            <a:off x="442913" y="1665288"/>
             <a:ext cx="7056086" cy="4766078"/>
           </a:xfrm>
           <a:prstGeom prst="rect">
@@ -13105,6 +13086,80 @@
           <a:effectLst/>
         </p:spPr>
       </p:cxnSp>
+      <p:sp>
+        <p:nvSpPr>
+          <p:cNvPr id="3" name="Retângulo 2"/>
+          <p:cNvSpPr/>
+          <p:nvPr/>
+        </p:nvSpPr>
+        <p:spPr bwMode="auto">
+          <a:xfrm>
+            <a:off x="8121316" y="2574758"/>
+            <a:ext cx="2839452" cy="1636295"/>
+          </a:xfrm>
+          <a:prstGeom prst="rect">
+            <a:avLst/>
+          </a:prstGeom>
+          <a:ln w="38100">
+            <a:solidFill>
+              <a:schemeClr val="accent2">
+                <a:lumMod val="75000"/>
+              </a:schemeClr>
+            </a:solidFill>
+            <a:headEnd type="none" w="med" len="med"/>
+            <a:tailEnd type="triangle" w="med" len="med"/>
+          </a:ln>
+        </p:spPr>
+        <p:style>
+          <a:lnRef idx="1">
+            <a:schemeClr val="accent2"/>
+          </a:lnRef>
+          <a:fillRef idx="2">
+            <a:schemeClr val="accent2"/>
+          </a:fillRef>
+          <a:effectRef idx="1">
+            <a:schemeClr val="accent2"/>
+          </a:effectRef>
+          <a:fontRef idx="minor">
+            <a:schemeClr val="dk1"/>
+          </a:fontRef>
+        </p:style>
+        <p:txBody>
+          <a:bodyPr vert="horz" wrap="square" lIns="90000" tIns="46800" rIns="90000" bIns="46800" numCol="1" rtlCol="0" anchor="ctr" anchorCtr="0" compatLnSpc="1">
+            <a:prstTxWarp prst="textNoShape">
+              <a:avLst/>
+            </a:prstTxWarp>
+          </a:bodyPr>
+          <a:lstStyle/>
+          <a:p>
+            <a:pPr algn="ctr"/>
+            <a:r>
+              <a:rPr lang="pt-BR" dirty="0" smtClean="0">
+                <a:solidFill>
+                  <a:schemeClr val="tx1"/>
+                </a:solidFill>
+                <a:latin typeface="Arial" charset="0"/>
+              </a:rPr>
+              <a:t>Feche </a:t>
+            </a:r>
+            <a:r>
+              <a:rPr lang="pt-BR" smtClean="0">
+                <a:solidFill>
+                  <a:schemeClr val="tx1"/>
+                </a:solidFill>
+                <a:latin typeface="Arial" charset="0"/>
+              </a:rPr>
+              <a:t>o navegador</a:t>
+            </a:r>
+            <a:endParaRPr lang="pt-BR" dirty="0">
+              <a:solidFill>
+                <a:schemeClr val="tx1"/>
+              </a:solidFill>
+              <a:latin typeface="Arial" charset="0"/>
+            </a:endParaRPr>
+          </a:p>
+        </p:txBody>
+      </p:sp>
     </p:spTree>
     <p:extLst>
       <p:ext uri="{BB962C8B-B14F-4D97-AF65-F5344CB8AC3E}">
@@ -13360,6 +13415,89 @@
           <a:effectLst/>
         </p:spPr>
       </p:cxnSp>
+      <p:sp>
+        <p:nvSpPr>
+          <p:cNvPr id="2" name="Retângulo 1"/>
+          <p:cNvSpPr/>
+          <p:nvPr/>
+        </p:nvSpPr>
+        <p:spPr bwMode="auto">
+          <a:xfrm>
+            <a:off x="5991726" y="3356811"/>
+            <a:ext cx="2081463" cy="1443789"/>
+          </a:xfrm>
+          <a:prstGeom prst="rect">
+            <a:avLst/>
+          </a:prstGeom>
+          <a:ln w="38100">
+            <a:solidFill>
+              <a:schemeClr val="accent2">
+                <a:lumMod val="75000"/>
+              </a:schemeClr>
+            </a:solidFill>
+            <a:headEnd type="none" w="med" len="med"/>
+            <a:tailEnd type="triangle" w="med" len="med"/>
+          </a:ln>
+        </p:spPr>
+        <p:style>
+          <a:lnRef idx="1">
+            <a:schemeClr val="accent2"/>
+          </a:lnRef>
+          <a:fillRef idx="2">
+            <a:schemeClr val="accent2"/>
+          </a:fillRef>
+          <a:effectRef idx="1">
+            <a:schemeClr val="accent2"/>
+          </a:effectRef>
+          <a:fontRef idx="minor">
+            <a:schemeClr val="dk1"/>
+          </a:fontRef>
+        </p:style>
+        <p:txBody>
+          <a:bodyPr vert="horz" wrap="square" lIns="90000" tIns="46800" rIns="90000" bIns="46800" numCol="1" rtlCol="0" anchor="ctr" anchorCtr="0" compatLnSpc="1">
+            <a:prstTxWarp prst="textNoShape">
+              <a:avLst/>
+            </a:prstTxWarp>
+          </a:bodyPr>
+          <a:lstStyle/>
+          <a:p>
+            <a:pPr algn="ctr"/>
+            <a:r>
+              <a:rPr lang="pt-BR" dirty="0" smtClean="0">
+                <a:solidFill>
+                  <a:schemeClr val="tx1"/>
+                </a:solidFill>
+                <a:latin typeface="Arial" charset="0"/>
+              </a:rPr>
+              <a:t>Clique para Avançar (</a:t>
+            </a:r>
+            <a:r>
+              <a:rPr lang="pt-BR" dirty="0" err="1" smtClean="0">
+                <a:solidFill>
+                  <a:schemeClr val="tx1"/>
+                </a:solidFill>
+                <a:latin typeface="Arial" charset="0"/>
+              </a:rPr>
+              <a:t>next</a:t>
+            </a:r>
+            <a:r>
+              <a:rPr lang="pt-BR" dirty="0" smtClean="0">
+                <a:solidFill>
+                  <a:schemeClr val="tx1"/>
+                </a:solidFill>
+                <a:latin typeface="Arial" charset="0"/>
+              </a:rPr>
+              <a:t>)</a:t>
+            </a:r>
+            <a:endParaRPr lang="pt-BR" dirty="0">
+              <a:solidFill>
+                <a:schemeClr val="tx1"/>
+              </a:solidFill>
+              <a:latin typeface="Arial" charset="0"/>
+            </a:endParaRPr>
+          </a:p>
+        </p:txBody>
+      </p:sp>
     </p:spTree>
     <p:extLst>
       <p:ext uri="{BB962C8B-B14F-4D97-AF65-F5344CB8AC3E}">
@@ -13468,6 +13606,89 @@
           <a:effectLst/>
         </p:spPr>
       </p:cxnSp>
+      <p:sp>
+        <p:nvSpPr>
+          <p:cNvPr id="5" name="Retângulo 4"/>
+          <p:cNvSpPr/>
+          <p:nvPr/>
+        </p:nvSpPr>
+        <p:spPr bwMode="auto">
+          <a:xfrm>
+            <a:off x="5991726" y="3356811"/>
+            <a:ext cx="2081463" cy="1443789"/>
+          </a:xfrm>
+          <a:prstGeom prst="rect">
+            <a:avLst/>
+          </a:prstGeom>
+          <a:ln w="38100">
+            <a:solidFill>
+              <a:schemeClr val="accent2">
+                <a:lumMod val="75000"/>
+              </a:schemeClr>
+            </a:solidFill>
+            <a:headEnd type="none" w="med" len="med"/>
+            <a:tailEnd type="triangle" w="med" len="med"/>
+          </a:ln>
+        </p:spPr>
+        <p:style>
+          <a:lnRef idx="1">
+            <a:schemeClr val="accent2"/>
+          </a:lnRef>
+          <a:fillRef idx="2">
+            <a:schemeClr val="accent2"/>
+          </a:fillRef>
+          <a:effectRef idx="1">
+            <a:schemeClr val="accent2"/>
+          </a:effectRef>
+          <a:fontRef idx="minor">
+            <a:schemeClr val="dk1"/>
+          </a:fontRef>
+        </p:style>
+        <p:txBody>
+          <a:bodyPr vert="horz" wrap="square" lIns="90000" tIns="46800" rIns="90000" bIns="46800" numCol="1" rtlCol="0" anchor="ctr" anchorCtr="0" compatLnSpc="1">
+            <a:prstTxWarp prst="textNoShape">
+              <a:avLst/>
+            </a:prstTxWarp>
+          </a:bodyPr>
+          <a:lstStyle/>
+          <a:p>
+            <a:pPr algn="ctr"/>
+            <a:r>
+              <a:rPr lang="pt-BR" dirty="0" smtClean="0">
+                <a:solidFill>
+                  <a:schemeClr val="tx1"/>
+                </a:solidFill>
+                <a:latin typeface="Arial" charset="0"/>
+              </a:rPr>
+              <a:t>Clique para Avançar (</a:t>
+            </a:r>
+            <a:r>
+              <a:rPr lang="pt-BR" dirty="0" err="1" smtClean="0">
+                <a:solidFill>
+                  <a:schemeClr val="tx1"/>
+                </a:solidFill>
+                <a:latin typeface="Arial" charset="0"/>
+              </a:rPr>
+              <a:t>next</a:t>
+            </a:r>
+            <a:r>
+              <a:rPr lang="pt-BR" dirty="0" smtClean="0">
+                <a:solidFill>
+                  <a:schemeClr val="tx1"/>
+                </a:solidFill>
+                <a:latin typeface="Arial" charset="0"/>
+              </a:rPr>
+              <a:t>)</a:t>
+            </a:r>
+            <a:endParaRPr lang="pt-BR" dirty="0">
+              <a:solidFill>
+                <a:schemeClr val="tx1"/>
+              </a:solidFill>
+              <a:latin typeface="Arial" charset="0"/>
+            </a:endParaRPr>
+          </a:p>
+        </p:txBody>
+      </p:sp>
     </p:spTree>
     <p:extLst>
       <p:ext uri="{BB962C8B-B14F-4D97-AF65-F5344CB8AC3E}">
@@ -13576,6 +13797,89 @@
           <a:effectLst/>
         </p:spPr>
       </p:cxnSp>
+      <p:sp>
+        <p:nvSpPr>
+          <p:cNvPr id="5" name="Retângulo 4"/>
+          <p:cNvSpPr/>
+          <p:nvPr/>
+        </p:nvSpPr>
+        <p:spPr bwMode="auto">
+          <a:xfrm>
+            <a:off x="5991726" y="3356811"/>
+            <a:ext cx="2081463" cy="1443789"/>
+          </a:xfrm>
+          <a:prstGeom prst="rect">
+            <a:avLst/>
+          </a:prstGeom>
+          <a:ln w="38100">
+            <a:solidFill>
+              <a:schemeClr val="accent2">
+                <a:lumMod val="75000"/>
+              </a:schemeClr>
+            </a:solidFill>
+            <a:headEnd type="none" w="med" len="med"/>
+            <a:tailEnd type="triangle" w="med" len="med"/>
+          </a:ln>
+        </p:spPr>
+        <p:style>
+          <a:lnRef idx="1">
+            <a:schemeClr val="accent2"/>
+          </a:lnRef>
+          <a:fillRef idx="2">
+            <a:schemeClr val="accent2"/>
+          </a:fillRef>
+          <a:effectRef idx="1">
+            <a:schemeClr val="accent2"/>
+          </a:effectRef>
+          <a:fontRef idx="minor">
+            <a:schemeClr val="dk1"/>
+          </a:fontRef>
+        </p:style>
+        <p:txBody>
+          <a:bodyPr vert="horz" wrap="square" lIns="90000" tIns="46800" rIns="90000" bIns="46800" numCol="1" rtlCol="0" anchor="ctr" anchorCtr="0" compatLnSpc="1">
+            <a:prstTxWarp prst="textNoShape">
+              <a:avLst/>
+            </a:prstTxWarp>
+          </a:bodyPr>
+          <a:lstStyle/>
+          <a:p>
+            <a:pPr algn="ctr"/>
+            <a:r>
+              <a:rPr lang="pt-BR" dirty="0" smtClean="0">
+                <a:solidFill>
+                  <a:schemeClr val="tx1"/>
+                </a:solidFill>
+                <a:latin typeface="Arial" charset="0"/>
+              </a:rPr>
+              <a:t>Clique para Avançar (</a:t>
+            </a:r>
+            <a:r>
+              <a:rPr lang="pt-BR" dirty="0" err="1" smtClean="0">
+                <a:solidFill>
+                  <a:schemeClr val="tx1"/>
+                </a:solidFill>
+                <a:latin typeface="Arial" charset="0"/>
+              </a:rPr>
+              <a:t>next</a:t>
+            </a:r>
+            <a:r>
+              <a:rPr lang="pt-BR" dirty="0" smtClean="0">
+                <a:solidFill>
+                  <a:schemeClr val="tx1"/>
+                </a:solidFill>
+                <a:latin typeface="Arial" charset="0"/>
+              </a:rPr>
+              <a:t>)</a:t>
+            </a:r>
+            <a:endParaRPr lang="pt-BR" dirty="0">
+              <a:solidFill>
+                <a:schemeClr val="tx1"/>
+              </a:solidFill>
+              <a:latin typeface="Arial" charset="0"/>
+            </a:endParaRPr>
+          </a:p>
+        </p:txBody>
+      </p:sp>
     </p:spTree>
     <p:extLst>
       <p:ext uri="{BB962C8B-B14F-4D97-AF65-F5344CB8AC3E}">
@@ -13684,6 +13988,89 @@
           <a:effectLst/>
         </p:spPr>
       </p:cxnSp>
+      <p:sp>
+        <p:nvSpPr>
+          <p:cNvPr id="5" name="Retângulo 4"/>
+          <p:cNvSpPr/>
+          <p:nvPr/>
+        </p:nvSpPr>
+        <p:spPr bwMode="auto">
+          <a:xfrm>
+            <a:off x="5991726" y="3356811"/>
+            <a:ext cx="2081463" cy="1443789"/>
+          </a:xfrm>
+          <a:prstGeom prst="rect">
+            <a:avLst/>
+          </a:prstGeom>
+          <a:ln w="38100">
+            <a:solidFill>
+              <a:schemeClr val="accent2">
+                <a:lumMod val="75000"/>
+              </a:schemeClr>
+            </a:solidFill>
+            <a:headEnd type="none" w="med" len="med"/>
+            <a:tailEnd type="triangle" w="med" len="med"/>
+          </a:ln>
+        </p:spPr>
+        <p:style>
+          <a:lnRef idx="1">
+            <a:schemeClr val="accent2"/>
+          </a:lnRef>
+          <a:fillRef idx="2">
+            <a:schemeClr val="accent2"/>
+          </a:fillRef>
+          <a:effectRef idx="1">
+            <a:schemeClr val="accent2"/>
+          </a:effectRef>
+          <a:fontRef idx="minor">
+            <a:schemeClr val="dk1"/>
+          </a:fontRef>
+        </p:style>
+        <p:txBody>
+          <a:bodyPr vert="horz" wrap="square" lIns="90000" tIns="46800" rIns="90000" bIns="46800" numCol="1" rtlCol="0" anchor="ctr" anchorCtr="0" compatLnSpc="1">
+            <a:prstTxWarp prst="textNoShape">
+              <a:avLst/>
+            </a:prstTxWarp>
+          </a:bodyPr>
+          <a:lstStyle/>
+          <a:p>
+            <a:pPr algn="ctr"/>
+            <a:r>
+              <a:rPr lang="pt-BR" dirty="0" smtClean="0">
+                <a:solidFill>
+                  <a:schemeClr val="tx1"/>
+                </a:solidFill>
+                <a:latin typeface="Arial" charset="0"/>
+              </a:rPr>
+              <a:t>Clique para Avançar (</a:t>
+            </a:r>
+            <a:r>
+              <a:rPr lang="pt-BR" dirty="0" err="1" smtClean="0">
+                <a:solidFill>
+                  <a:schemeClr val="tx1"/>
+                </a:solidFill>
+                <a:latin typeface="Arial" charset="0"/>
+              </a:rPr>
+              <a:t>next</a:t>
+            </a:r>
+            <a:r>
+              <a:rPr lang="pt-BR" dirty="0" smtClean="0">
+                <a:solidFill>
+                  <a:schemeClr val="tx1"/>
+                </a:solidFill>
+                <a:latin typeface="Arial" charset="0"/>
+              </a:rPr>
+              <a:t>)</a:t>
+            </a:r>
+            <a:endParaRPr lang="pt-BR" dirty="0">
+              <a:solidFill>
+                <a:schemeClr val="tx1"/>
+              </a:solidFill>
+              <a:latin typeface="Arial" charset="0"/>
+            </a:endParaRPr>
+          </a:p>
+        </p:txBody>
+      </p:sp>
     </p:spTree>
     <p:extLst>
       <p:ext uri="{BB962C8B-B14F-4D97-AF65-F5344CB8AC3E}">
@@ -13792,6 +14179,89 @@
           <a:effectLst/>
         </p:spPr>
       </p:cxnSp>
+      <p:sp>
+        <p:nvSpPr>
+          <p:cNvPr id="5" name="Retângulo 4"/>
+          <p:cNvSpPr/>
+          <p:nvPr/>
+        </p:nvSpPr>
+        <p:spPr bwMode="auto">
+          <a:xfrm>
+            <a:off x="5991726" y="3356811"/>
+            <a:ext cx="2081463" cy="1443789"/>
+          </a:xfrm>
+          <a:prstGeom prst="rect">
+            <a:avLst/>
+          </a:prstGeom>
+          <a:ln w="38100">
+            <a:solidFill>
+              <a:schemeClr val="accent2">
+                <a:lumMod val="75000"/>
+              </a:schemeClr>
+            </a:solidFill>
+            <a:headEnd type="none" w="med" len="med"/>
+            <a:tailEnd type="triangle" w="med" len="med"/>
+          </a:ln>
+        </p:spPr>
+        <p:style>
+          <a:lnRef idx="1">
+            <a:schemeClr val="accent2"/>
+          </a:lnRef>
+          <a:fillRef idx="2">
+            <a:schemeClr val="accent2"/>
+          </a:fillRef>
+          <a:effectRef idx="1">
+            <a:schemeClr val="accent2"/>
+          </a:effectRef>
+          <a:fontRef idx="minor">
+            <a:schemeClr val="dk1"/>
+          </a:fontRef>
+        </p:style>
+        <p:txBody>
+          <a:bodyPr vert="horz" wrap="square" lIns="90000" tIns="46800" rIns="90000" bIns="46800" numCol="1" rtlCol="0" anchor="ctr" anchorCtr="0" compatLnSpc="1">
+            <a:prstTxWarp prst="textNoShape">
+              <a:avLst/>
+            </a:prstTxWarp>
+          </a:bodyPr>
+          <a:lstStyle/>
+          <a:p>
+            <a:pPr algn="ctr"/>
+            <a:r>
+              <a:rPr lang="pt-BR" dirty="0" smtClean="0">
+                <a:solidFill>
+                  <a:schemeClr val="tx1"/>
+                </a:solidFill>
+                <a:latin typeface="Arial" charset="0"/>
+              </a:rPr>
+              <a:t>Clique para Avançar (</a:t>
+            </a:r>
+            <a:r>
+              <a:rPr lang="pt-BR" dirty="0" err="1" smtClean="0">
+                <a:solidFill>
+                  <a:schemeClr val="tx1"/>
+                </a:solidFill>
+                <a:latin typeface="Arial" charset="0"/>
+              </a:rPr>
+              <a:t>next</a:t>
+            </a:r>
+            <a:r>
+              <a:rPr lang="pt-BR" dirty="0" smtClean="0">
+                <a:solidFill>
+                  <a:schemeClr val="tx1"/>
+                </a:solidFill>
+                <a:latin typeface="Arial" charset="0"/>
+              </a:rPr>
+              <a:t>)</a:t>
+            </a:r>
+            <a:endParaRPr lang="pt-BR" dirty="0">
+              <a:solidFill>
+                <a:schemeClr val="tx1"/>
+              </a:solidFill>
+              <a:latin typeface="Arial" charset="0"/>
+            </a:endParaRPr>
+          </a:p>
+        </p:txBody>
+      </p:sp>
     </p:spTree>
     <p:extLst>
       <p:ext uri="{BB962C8B-B14F-4D97-AF65-F5344CB8AC3E}">
@@ -13869,6 +14339,137 @@
           </a:prstGeom>
         </p:spPr>
       </p:pic>
+      <p:sp>
+        <p:nvSpPr>
+          <p:cNvPr id="4" name="Retângulo 3"/>
+          <p:cNvSpPr/>
+          <p:nvPr/>
+        </p:nvSpPr>
+        <p:spPr bwMode="auto">
+          <a:xfrm>
+            <a:off x="5991726" y="3356811"/>
+            <a:ext cx="2081463" cy="1443789"/>
+          </a:xfrm>
+          <a:prstGeom prst="rect">
+            <a:avLst/>
+          </a:prstGeom>
+          <a:ln w="57150">
+            <a:solidFill>
+              <a:schemeClr val="accent3">
+                <a:lumMod val="50000"/>
+              </a:schemeClr>
+            </a:solidFill>
+            <a:headEnd type="none" w="med" len="med"/>
+            <a:tailEnd type="triangle" w="med" len="med"/>
+          </a:ln>
+        </p:spPr>
+        <p:style>
+          <a:lnRef idx="1">
+            <a:schemeClr val="accent3"/>
+          </a:lnRef>
+          <a:fillRef idx="2">
+            <a:schemeClr val="accent3"/>
+          </a:fillRef>
+          <a:effectRef idx="1">
+            <a:schemeClr val="accent3"/>
+          </a:effectRef>
+          <a:fontRef idx="minor">
+            <a:schemeClr val="dk1"/>
+          </a:fontRef>
+        </p:style>
+        <p:txBody>
+          <a:bodyPr vert="horz" wrap="square" lIns="90000" tIns="46800" rIns="90000" bIns="46800" numCol="1" rtlCol="0" anchor="ctr" anchorCtr="0" compatLnSpc="1">
+            <a:prstTxWarp prst="textNoShape">
+              <a:avLst/>
+            </a:prstTxWarp>
+          </a:bodyPr>
+          <a:lstStyle/>
+          <a:p>
+            <a:pPr algn="ctr"/>
+            <a:r>
+              <a:rPr lang="pt-BR" dirty="0" smtClean="0">
+                <a:solidFill>
+                  <a:schemeClr val="tx1"/>
+                </a:solidFill>
+                <a:latin typeface="Arial" charset="0"/>
+              </a:rPr>
+              <a:t>Clique para Instalar (</a:t>
+            </a:r>
+            <a:r>
+              <a:rPr lang="pt-BR" dirty="0" err="1">
+                <a:solidFill>
+                  <a:schemeClr val="tx1"/>
+                </a:solidFill>
+                <a:latin typeface="Arial" charset="0"/>
+              </a:rPr>
+              <a:t>I</a:t>
+            </a:r>
+            <a:r>
+              <a:rPr lang="pt-BR" dirty="0" err="1" smtClean="0">
+                <a:solidFill>
+                  <a:schemeClr val="tx1"/>
+                </a:solidFill>
+                <a:latin typeface="Arial" charset="0"/>
+              </a:rPr>
+              <a:t>nstall</a:t>
+            </a:r>
+            <a:r>
+              <a:rPr lang="pt-BR" dirty="0" smtClean="0">
+                <a:solidFill>
+                  <a:schemeClr val="tx1"/>
+                </a:solidFill>
+                <a:latin typeface="Arial" charset="0"/>
+              </a:rPr>
+              <a:t>)</a:t>
+            </a:r>
+            <a:endParaRPr lang="pt-BR" dirty="0">
+              <a:solidFill>
+                <a:schemeClr val="tx1"/>
+              </a:solidFill>
+              <a:latin typeface="Arial" charset="0"/>
+            </a:endParaRPr>
+          </a:p>
+        </p:txBody>
+      </p:sp>
+      <p:cxnSp>
+        <p:nvCxnSpPr>
+          <p:cNvPr id="5" name="Conector de seta reta 4"/>
+          <p:cNvCxnSpPr/>
+          <p:nvPr/>
+        </p:nvCxnSpPr>
+        <p:spPr bwMode="auto">
+          <a:xfrm flipH="1">
+            <a:off x="4018547" y="4090737"/>
+            <a:ext cx="1876927" cy="962526"/>
+          </a:xfrm>
+          <a:prstGeom prst="straightConnector1">
+            <a:avLst/>
+          </a:prstGeom>
+          <a:ln w="57150">
+            <a:solidFill>
+              <a:schemeClr val="accent3">
+                <a:lumMod val="50000"/>
+              </a:schemeClr>
+            </a:solidFill>
+            <a:headEnd type="none" w="med" len="med"/>
+            <a:tailEnd type="triangle"/>
+          </a:ln>
+        </p:spPr>
+        <p:style>
+          <a:lnRef idx="1">
+            <a:schemeClr val="accent3"/>
+          </a:lnRef>
+          <a:fillRef idx="2">
+            <a:schemeClr val="accent3"/>
+          </a:fillRef>
+          <a:effectRef idx="1">
+            <a:schemeClr val="accent3"/>
+          </a:effectRef>
+          <a:fontRef idx="minor">
+            <a:schemeClr val="dk1"/>
+          </a:fontRef>
+        </p:style>
+      </p:cxnSp>
     </p:spTree>
     <p:extLst>
       <p:ext uri="{BB962C8B-B14F-4D97-AF65-F5344CB8AC3E}">
@@ -13938,7 +14539,7 @@
         </p:blipFill>
         <p:spPr>
           <a:xfrm>
-            <a:off x="442913" y="1665288"/>
+            <a:off x="464262" y="1665288"/>
             <a:ext cx="4752975" cy="3733800"/>
           </a:xfrm>
           <a:prstGeom prst="rect">
@@ -13946,41 +14547,103 @@
           </a:prstGeom>
         </p:spPr>
       </p:pic>
-      <p:cxnSp>
-        <p:nvCxnSpPr>
-          <p:cNvPr id="4" name="Conector de Seta Reta 3"/>
-          <p:cNvCxnSpPr/>
+      <p:pic>
+        <p:nvPicPr>
+          <p:cNvPr id="3" name="Imagem 2"/>
+          <p:cNvPicPr>
+            <a:picLocks noChangeAspect="1"/>
+          </p:cNvPicPr>
           <p:nvPr/>
-        </p:nvCxnSpPr>
-        <p:spPr bwMode="auto">
-          <a:xfrm flipH="1">
-            <a:off x="4225159" y="4067503"/>
-            <a:ext cx="2186151" cy="966952"/>
+        </p:nvPicPr>
+        <p:blipFill>
+          <a:blip r:embed="rId3"/>
+          <a:stretch>
+            <a:fillRect/>
+          </a:stretch>
+        </p:blipFill>
+        <p:spPr>
+          <a:xfrm>
+            <a:off x="3094147" y="2607879"/>
+            <a:ext cx="4752975" cy="3733800"/>
           </a:xfrm>
-          <a:prstGeom prst="straightConnector1">
+          <a:prstGeom prst="rect">
             <a:avLst/>
           </a:prstGeom>
-          <a:solidFill>
-            <a:schemeClr val="accent1"/>
-          </a:solidFill>
-          <a:ln w="38100" cap="flat" cmpd="sng" algn="ctr">
-            <a:solidFill>
-              <a:schemeClr val="accent2">
-                <a:lumMod val="75000"/>
-              </a:schemeClr>
-            </a:solidFill>
-            <a:prstDash val="solid"/>
-            <a:round/>
+        </p:spPr>
+      </p:pic>
+      <p:sp>
+        <p:nvSpPr>
+          <p:cNvPr id="4" name="Elipse 3"/>
+          <p:cNvSpPr/>
+          <p:nvPr/>
+        </p:nvSpPr>
+        <p:spPr bwMode="auto">
+          <a:xfrm>
+            <a:off x="8566484" y="4596063"/>
+            <a:ext cx="2598821" cy="1443790"/>
+          </a:xfrm>
+          <a:prstGeom prst="ellipse">
+            <a:avLst/>
+          </a:prstGeom>
+          <a:ln>
             <a:headEnd type="none" w="med" len="med"/>
-            <a:tailEnd type="triangle"/>
+            <a:tailEnd type="triangle" w="med" len="med"/>
           </a:ln>
-          <a:effectLst/>
         </p:spPr>
-      </p:cxnSp>
+        <p:style>
+          <a:lnRef idx="1">
+            <a:schemeClr val="accent4"/>
+          </a:lnRef>
+          <a:fillRef idx="2">
+            <a:schemeClr val="accent4"/>
+          </a:fillRef>
+          <a:effectRef idx="1">
+            <a:schemeClr val="accent4"/>
+          </a:effectRef>
+          <a:fontRef idx="minor">
+            <a:schemeClr val="dk1"/>
+          </a:fontRef>
+        </p:style>
+        <p:txBody>
+          <a:bodyPr vert="horz" wrap="square" lIns="90000" tIns="46800" rIns="90000" bIns="46800" numCol="1" rtlCol="0" anchor="ctr" anchorCtr="0" compatLnSpc="1">
+            <a:prstTxWarp prst="textNoShape">
+              <a:avLst/>
+            </a:prstTxWarp>
+          </a:bodyPr>
+          <a:lstStyle/>
+          <a:p>
+            <a:pPr algn="ctr"/>
+            <a:r>
+              <a:rPr lang="pt-BR" dirty="0" smtClean="0">
+                <a:solidFill>
+                  <a:schemeClr val="tx1"/>
+                </a:solidFill>
+                <a:latin typeface="Arial" charset="0"/>
+              </a:rPr>
+              <a:t>Aguard</a:t>
+            </a:r>
+            <a:r>
+              <a:rPr lang="pt-BR" dirty="0" smtClean="0">
+                <a:solidFill>
+                  <a:schemeClr val="tx1"/>
+                </a:solidFill>
+                <a:latin typeface="Arial" charset="0"/>
+              </a:rPr>
+              <a:t>e o termino da instalação</a:t>
+            </a:r>
+            <a:endParaRPr lang="pt-BR" dirty="0">
+              <a:solidFill>
+                <a:schemeClr val="tx1"/>
+              </a:solidFill>
+              <a:latin typeface="Arial" charset="0"/>
+            </a:endParaRPr>
+          </a:p>
+        </p:txBody>
+      </p:sp>
     </p:spTree>
     <p:extLst>
       <p:ext uri="{BB962C8B-B14F-4D97-AF65-F5344CB8AC3E}">
-        <p14:creationId xmlns:p14="http://schemas.microsoft.com/office/powerpoint/2010/main" val="1237363641"/>
+        <p14:creationId xmlns:p14="http://schemas.microsoft.com/office/powerpoint/2010/main" val="4290270954"/>
       </p:ext>
     </p:extLst>
   </p:cSld>
